--- a/afitWebWorkshop.pptx
+++ b/afitWebWorkshop.pptx
@@ -5,7 +5,7 @@
     <p:sldMasterId id="2147483732" r:id="rId1"/>
   </p:sldMasterIdLst>
   <p:notesMasterIdLst>
-    <p:notesMasterId r:id="rId10"/>
+    <p:notesMasterId r:id="rId9"/>
   </p:notesMasterIdLst>
   <p:sldIdLst>
     <p:sldId id="256" r:id="rId2"/>
@@ -14,8 +14,7 @@
     <p:sldId id="257" r:id="rId5"/>
     <p:sldId id="260" r:id="rId6"/>
     <p:sldId id="259" r:id="rId7"/>
-    <p:sldId id="262" r:id="rId8"/>
-    <p:sldId id="263" r:id="rId9"/>
+    <p:sldId id="263" r:id="rId8"/>
   </p:sldIdLst>
   <p:sldSz cx="12192000" cy="6858000"/>
   <p:notesSz cx="6858000" cy="9144000"/>
@@ -4845,7 +4844,28 @@
             </a:r>
           </a:p>
           <a:p>
-            <a:endParaRPr lang="en-US" dirty="0"/>
+            <a:r>
+              <a:rPr lang="en-US" dirty="0" smtClean="0"/>
+              <a:t>One easy way is to use GitHub pages</a:t>
+            </a:r>
+          </a:p>
+          <a:p>
+            <a:pPr lvl="1"/>
+            <a:r>
+              <a:rPr lang="en-US" dirty="0" smtClean="0"/>
+              <a:t>Follow </a:t>
+            </a:r>
+            <a:r>
+              <a:rPr lang="en-US" dirty="0"/>
+              <a:t>the instructions at </a:t>
+            </a:r>
+            <a:r>
+              <a:rPr lang="en-US" dirty="0">
+                <a:hlinkClick r:id="rId2"/>
+              </a:rPr>
+              <a:t>https://pages.github.com/</a:t>
+            </a:r>
+            <a:endParaRPr lang="en-US" dirty="0" smtClean="0"/>
           </a:p>
         </p:txBody>
       </p:sp>
@@ -4866,7 +4886,7 @@
           <a:p>
             <a:fld id="{02FFFB29-85E9-405C-A764-6FAEAEB3DC1A}" type="datetime1">
               <a:rPr lang="en-US" smtClean="0"/>
-              <a:t>3/27/2018</a:t>
+              <a:t>3/28/2018</a:t>
             </a:fld>
             <a:endParaRPr lang="en-US"/>
           </a:p>
@@ -4970,7 +4990,19 @@
           <a:bodyPr/>
           <a:lstStyle/>
           <a:p>
-            <a:endParaRPr lang="en-US"/>
+            <a:r>
+              <a:rPr lang="en-US" dirty="0" smtClean="0"/>
+              <a:t>Thanks for attending our </a:t>
+            </a:r>
+            <a:r>
+              <a:rPr lang="en-US" dirty="0" err="1" smtClean="0"/>
+              <a:t>aFIT</a:t>
+            </a:r>
+            <a:r>
+              <a:rPr lang="en-US" dirty="0" smtClean="0"/>
+              <a:t> workshop</a:t>
+            </a:r>
+            <a:endParaRPr lang="en-US" dirty="0"/>
           </a:p>
         </p:txBody>
       </p:sp>
@@ -4989,6 +5021,9 @@
           <a:bodyPr/>
           <a:lstStyle/>
           <a:p>
+            <a:pPr marL="0" indent="0">
+              <a:buNone/>
+            </a:pPr>
             <a:endParaRPr lang="en-US"/>
           </a:p>
         </p:txBody>
@@ -5062,147 +5097,70 @@
           </a:p>
         </p:txBody>
       </p:sp>
-    </p:spTree>
-    <p:extLst>
-      <p:ext uri="{BB962C8B-B14F-4D97-AF65-F5344CB8AC3E}">
-        <p14:creationId xmlns:p14="http://schemas.microsoft.com/office/powerpoint/2010/main" val="586709729"/>
-      </p:ext>
-    </p:extLst>
-  </p:cSld>
-  <p:clrMapOvr>
-    <a:masterClrMapping/>
-  </p:clrMapOvr>
-  <p:timing>
-    <p:tnLst>
-      <p:par>
-        <p:cTn id="1" dur="indefinite" restart="never" nodeType="tmRoot"/>
-      </p:par>
-    </p:tnLst>
-  </p:timing>
-</p:sld>
-</file>
-
-<file path=ppt/slides/slide8.xml><?xml version="1.0" encoding="utf-8"?>
-<p:sld xmlns:a="http://schemas.openxmlformats.org/drawingml/2006/main" xmlns:r="http://schemas.openxmlformats.org/officeDocument/2006/relationships" xmlns:p="http://schemas.openxmlformats.org/presentationml/2006/main">
-  <p:cSld>
-    <p:spTree>
-      <p:nvGrpSpPr>
-        <p:cNvPr id="1" name=""/>
-        <p:cNvGrpSpPr/>
-        <p:nvPr/>
-      </p:nvGrpSpPr>
-      <p:grpSpPr>
-        <a:xfrm>
-          <a:off x="0" y="0"/>
-          <a:ext cx="0" cy="0"/>
-          <a:chOff x="0" y="0"/>
-          <a:chExt cx="0" cy="0"/>
-        </a:xfrm>
-      </p:grpSpPr>
-      <p:sp>
-        <p:nvSpPr>
-          <p:cNvPr id="2" name="Title 1"/>
-          <p:cNvSpPr>
-            <a:spLocks noGrp="1"/>
-          </p:cNvSpPr>
-          <p:nvPr>
-            <p:ph type="title"/>
-          </p:nvPr>
-        </p:nvSpPr>
-        <p:spPr/>
-        <p:txBody>
-          <a:bodyPr/>
-          <a:lstStyle/>
-          <a:p>
-            <a:endParaRPr lang="en-US"/>
-          </a:p>
-        </p:txBody>
-      </p:sp>
-      <p:sp>
-        <p:nvSpPr>
-          <p:cNvPr id="3" name="Content Placeholder 2"/>
-          <p:cNvSpPr>
-            <a:spLocks noGrp="1"/>
-          </p:cNvSpPr>
-          <p:nvPr>
-            <p:ph idx="1"/>
-          </p:nvPr>
-        </p:nvSpPr>
-        <p:spPr/>
-        <p:txBody>
-          <a:bodyPr/>
-          <a:lstStyle/>
-          <a:p>
-            <a:endParaRPr lang="en-US"/>
-          </a:p>
-        </p:txBody>
-      </p:sp>
-      <p:sp>
-        <p:nvSpPr>
-          <p:cNvPr id="4" name="Date Placeholder 3"/>
-          <p:cNvSpPr>
-            <a:spLocks noGrp="1"/>
-          </p:cNvSpPr>
-          <p:nvPr>
-            <p:ph type="dt" sz="half" idx="10"/>
-          </p:nvPr>
-        </p:nvSpPr>
-        <p:spPr/>
-        <p:txBody>
-          <a:bodyPr/>
-          <a:lstStyle/>
-          <a:p>
-            <a:fld id="{02FFFB29-85E9-405C-A764-6FAEAEB3DC1A}" type="datetime1">
-              <a:rPr lang="en-US" smtClean="0"/>
-              <a:t>3/28/2018</a:t>
-            </a:fld>
-            <a:endParaRPr lang="en-US"/>
-          </a:p>
-        </p:txBody>
-      </p:sp>
-      <p:sp>
-        <p:nvSpPr>
-          <p:cNvPr id="5" name="Footer Placeholder 4"/>
-          <p:cNvSpPr>
-            <a:spLocks noGrp="1"/>
-          </p:cNvSpPr>
-          <p:nvPr>
-            <p:ph type="ftr" sz="quarter" idx="11"/>
-          </p:nvPr>
-        </p:nvSpPr>
-        <p:spPr/>
-        <p:txBody>
-          <a:bodyPr/>
-          <a:lstStyle/>
-          <a:p>
-            <a:r>
-              <a:rPr lang="en-US" smtClean="0"/>
-              <a:t>Why Tech? 2018</a:t>
-            </a:r>
-            <a:endParaRPr lang="en-US"/>
-          </a:p>
-        </p:txBody>
-      </p:sp>
-      <p:sp>
-        <p:nvSpPr>
-          <p:cNvPr id="6" name="Slide Number Placeholder 5"/>
-          <p:cNvSpPr>
-            <a:spLocks noGrp="1"/>
-          </p:cNvSpPr>
-          <p:nvPr>
-            <p:ph type="sldNum" sz="quarter" idx="12"/>
-          </p:nvPr>
-        </p:nvSpPr>
-        <p:spPr/>
-        <p:txBody>
-          <a:bodyPr/>
-          <a:lstStyle/>
-          <a:p>
-            <a:fld id="{8533C7D5-570A-46C5-8E1C-2235930EB941}" type="slidenum">
-              <a:rPr lang="en-US" smtClean="0"/>
-              <a:t>8</a:t>
-            </a:fld>
-            <a:endParaRPr lang="en-US"/>
+      <p:sp>
+        <p:nvSpPr>
+          <p:cNvPr id="7" name="Rectangle 6"/>
+          <p:cNvSpPr/>
+          <p:nvPr/>
+        </p:nvSpPr>
+        <p:spPr>
+          <a:xfrm>
+            <a:off x="2976399" y="2967335"/>
+            <a:ext cx="6239209" cy="923330"/>
+          </a:xfrm>
+          <a:prstGeom prst="rect">
+            <a:avLst/>
+          </a:prstGeom>
+          <a:noFill/>
+        </p:spPr>
+        <p:txBody>
+          <a:bodyPr wrap="none" lIns="91440" tIns="45720" rIns="91440" bIns="45720">
+            <a:spAutoFit/>
+          </a:bodyPr>
+          <a:lstStyle/>
+          <a:p>
+            <a:pPr algn="ctr"/>
+            <a:r>
+              <a:rPr lang="en-US" sz="5400" b="1" cap="none" spc="0" dirty="0" smtClean="0">
+                <a:ln w="13462">
+                  <a:solidFill>
+                    <a:schemeClr val="bg1"/>
+                  </a:solidFill>
+                  <a:prstDash val="solid"/>
+                </a:ln>
+                <a:solidFill>
+                  <a:schemeClr val="tx1">
+                    <a:lumMod val="85000"/>
+                    <a:lumOff val="15000"/>
+                  </a:schemeClr>
+                </a:solidFill>
+                <a:effectLst>
+                  <a:outerShdw dist="38100" dir="2700000" algn="bl" rotWithShape="0">
+                    <a:schemeClr val="accent5"/>
+                  </a:outerShdw>
+                </a:effectLst>
+              </a:rPr>
+              <a:t>Have fun coding!</a:t>
+            </a:r>
+            <a:endParaRPr lang="en-US" sz="5400" b="1" cap="none" spc="0" dirty="0">
+              <a:ln w="13462">
+                <a:solidFill>
+                  <a:schemeClr val="bg1"/>
+                </a:solidFill>
+                <a:prstDash val="solid"/>
+              </a:ln>
+              <a:solidFill>
+                <a:schemeClr val="tx1">
+                  <a:lumMod val="85000"/>
+                  <a:lumOff val="15000"/>
+                </a:schemeClr>
+              </a:solidFill>
+              <a:effectLst>
+                <a:outerShdw dist="38100" dir="2700000" algn="bl" rotWithShape="0">
+                  <a:schemeClr val="accent5"/>
+                </a:outerShdw>
+              </a:effectLst>
+            </a:endParaRPr>
           </a:p>
         </p:txBody>
       </p:sp>

--- a/afitWebWorkshop.pptx
+++ b/afitWebWorkshop.pptx
@@ -214,7 +214,7 @@
           <a:p>
             <a:fld id="{F56AFF6F-4103-4168-8BDF-C6A13A7EA8E4}" type="datetimeFigureOut">
               <a:rPr lang="en-US" smtClean="0"/>
-              <a:t>3/27/2018</a:t>
+              <a:t>3/28/2018</a:t>
             </a:fld>
             <a:endParaRPr lang="en-US"/>
           </a:p>
@@ -628,7 +628,7 @@
             <a:fld id="{EF19218C-7452-4229-AF53-2A46F0B8273F}" type="datetime1">
               <a:rPr lang="en-US" smtClean="0"/>
               <a:pPr/>
-              <a:t>3/27/2018</a:t>
+              <a:t>3/28/2018</a:t>
             </a:fld>
             <a:endParaRPr lang="en-US" dirty="0"/>
           </a:p>
@@ -904,7 +904,7 @@
           <a:p>
             <a:fld id="{952243EF-A43D-451D-89A1-812C91861486}" type="datetime1">
               <a:rPr lang="en-US" smtClean="0"/>
-              <a:t>3/27/2018</a:t>
+              <a:t>3/28/2018</a:t>
             </a:fld>
             <a:endParaRPr lang="en-US"/>
           </a:p>
@@ -1095,7 +1095,7 @@
           <a:p>
             <a:fld id="{26FB3635-CFAD-4BE9-BECA-FA35C3875DB8}" type="datetime1">
               <a:rPr lang="en-US" smtClean="0"/>
-              <a:t>3/27/2018</a:t>
+              <a:t>3/28/2018</a:t>
             </a:fld>
             <a:endParaRPr lang="en-US"/>
           </a:p>
@@ -1280,7 +1280,7 @@
           <a:p>
             <a:fld id="{02FFFB29-85E9-405C-A764-6FAEAEB3DC1A}" type="datetime1">
               <a:rPr lang="en-US" smtClean="0"/>
-              <a:t>3/27/2018</a:t>
+              <a:t>3/28/2018</a:t>
             </a:fld>
             <a:endParaRPr lang="en-US"/>
           </a:p>
@@ -1537,7 +1537,7 @@
           <a:p>
             <a:fld id="{11C82405-2EAD-45DD-8530-0B2FA7F26209}" type="datetime1">
               <a:rPr lang="en-US" smtClean="0"/>
-              <a:t>3/27/2018</a:t>
+              <a:t>3/28/2018</a:t>
             </a:fld>
             <a:endParaRPr lang="en-US"/>
           </a:p>
@@ -1788,7 +1788,7 @@
           <a:p>
             <a:fld id="{34FF1D75-FE65-426B-9C3F-5D1D59061053}" type="datetime1">
               <a:rPr lang="en-US" smtClean="0"/>
-              <a:t>3/27/2018</a:t>
+              <a:t>3/28/2018</a:t>
             </a:fld>
             <a:endParaRPr lang="en-US"/>
           </a:p>
@@ -2174,7 +2174,7 @@
           <a:p>
             <a:fld id="{76ED3664-7D52-45D7-AAB9-0C814C6FC146}" type="datetime1">
               <a:rPr lang="en-US" smtClean="0"/>
-              <a:t>3/27/2018</a:t>
+              <a:t>3/28/2018</a:t>
             </a:fld>
             <a:endParaRPr lang="en-US"/>
           </a:p>
@@ -2311,7 +2311,7 @@
           <a:p>
             <a:fld id="{A0245E05-4C7D-4E3F-8688-3FB64DB4C824}" type="datetime1">
               <a:rPr lang="en-US" smtClean="0"/>
-              <a:t>3/27/2018</a:t>
+              <a:t>3/28/2018</a:t>
             </a:fld>
             <a:endParaRPr lang="en-US"/>
           </a:p>
@@ -2417,7 +2417,7 @@
           <a:p>
             <a:fld id="{B16609FB-F3BB-4367-ADEA-FD22D3E0BE3C}" type="datetime1">
               <a:rPr lang="en-US" smtClean="0"/>
-              <a:t>3/27/2018</a:t>
+              <a:t>3/28/2018</a:t>
             </a:fld>
             <a:endParaRPr lang="en-US"/>
           </a:p>
@@ -2705,7 +2705,7 @@
           <a:p>
             <a:fld id="{36E08A4D-FAFC-42C8-96AE-2B5E7F8FD438}" type="datetime1">
               <a:rPr lang="en-US" smtClean="0"/>
-              <a:t>3/27/2018</a:t>
+              <a:t>3/28/2018</a:t>
             </a:fld>
             <a:endParaRPr lang="en-US"/>
           </a:p>
@@ -2969,7 +2969,7 @@
           <a:p>
             <a:fld id="{B76D8397-679E-45B3-BDA5-ADCDA7C4A7B9}" type="datetime1">
               <a:rPr lang="en-US" smtClean="0"/>
-              <a:t>3/27/2018</a:t>
+              <a:t>3/28/2018</a:t>
             </a:fld>
             <a:endParaRPr lang="en-US"/>
           </a:p>
@@ -3193,7 +3193,7 @@
           <a:p>
             <a:fld id="{106E1846-E85F-4506-8463-142E1C04602D}" type="datetime1">
               <a:rPr lang="en-US" smtClean="0"/>
-              <a:t>3/27/2018</a:t>
+              <a:t>3/28/2018</a:t>
             </a:fld>
             <a:endParaRPr lang="en-US"/>
           </a:p>
@@ -3748,11 +3748,7 @@
             </a:r>
             <a:r>
               <a:rPr lang="en-US" dirty="0" smtClean="0"/>
-              <a:t>, and Judy </a:t>
-            </a:r>
-            <a:r>
-              <a:rPr lang="en-US" dirty="0" smtClean="0"/>
-              <a:t>Miller</a:t>
+              <a:t>, and Judy Miller</a:t>
             </a:r>
           </a:p>
           <a:p>
@@ -4042,7 +4038,7 @@
           <a:p>
             <a:fld id="{02FFFB29-85E9-405C-A764-6FAEAEB3DC1A}" type="datetime1">
               <a:rPr lang="en-US" smtClean="0"/>
-              <a:t>3/27/2018</a:t>
+              <a:t>3/28/2018</a:t>
             </a:fld>
             <a:endParaRPr lang="en-US"/>
           </a:p>
@@ -4192,11 +4188,7 @@
           <a:p>
             <a:r>
               <a:rPr lang="en-US" dirty="0" smtClean="0"/>
-              <a:t>Download </a:t>
-            </a:r>
-            <a:r>
-              <a:rPr lang="en-US" dirty="0" smtClean="0"/>
-              <a:t>the me </a:t>
+              <a:t>Download the me </a:t>
             </a:r>
             <a:r>
               <a:rPr lang="en-US" dirty="0"/>
@@ -4257,7 +4249,6 @@
               <a:rPr lang="en-US" dirty="0" smtClean="0"/>
               <a:t>Don’t change any of the HTML tags</a:t>
             </a:r>
-            <a:endParaRPr lang="en-US" dirty="0" smtClean="0"/>
           </a:p>
         </p:txBody>
       </p:sp>
@@ -4502,7 +4493,7 @@
           <a:p>
             <a:fld id="{02FFFB29-85E9-405C-A764-6FAEAEB3DC1A}" type="datetime1">
               <a:rPr lang="en-US" smtClean="0"/>
-              <a:t>3/27/2018</a:t>
+              <a:t>3/28/2018</a:t>
             </a:fld>
             <a:endParaRPr lang="en-US"/>
           </a:p>
@@ -4705,7 +4696,7 @@
           <a:p>
             <a:fld id="{02FFFB29-85E9-405C-A764-6FAEAEB3DC1A}" type="datetime1">
               <a:rPr lang="en-US" smtClean="0"/>
-              <a:t>3/27/2018</a:t>
+              <a:t>3/28/2018</a:t>
             </a:fld>
             <a:endParaRPr lang="en-US"/>
           </a:p>
@@ -4846,24 +4837,55 @@
           <a:p>
             <a:r>
               <a:rPr lang="en-US" dirty="0" smtClean="0"/>
-              <a:t>One easy way is to use GitHub pages</a:t>
-            </a:r>
+              <a:t>Many options available:</a:t>
+            </a:r>
+            <a:endParaRPr lang="en-US" dirty="0" smtClean="0"/>
           </a:p>
           <a:p>
             <a:pPr lvl="1"/>
             <a:r>
-              <a:rPr lang="en-US" dirty="0" smtClean="0"/>
-              <a:t>Follow </a:t>
-            </a:r>
-            <a:r>
-              <a:rPr lang="en-US" dirty="0"/>
-              <a:t>the instructions at </a:t>
+              <a:rPr lang="en-US" dirty="0" smtClean="0">
+                <a:hlinkClick r:id="rId2"/>
+              </a:rPr>
+              <a:t>https</a:t>
             </a:r>
             <a:r>
               <a:rPr lang="en-US" dirty="0">
                 <a:hlinkClick r:id="rId2"/>
               </a:rPr>
-              <a:t>https://pages.github.com/</a:t>
+              <a:t>://pages.github.com</a:t>
+            </a:r>
+            <a:r>
+              <a:rPr lang="en-US" dirty="0" smtClean="0">
+                <a:hlinkClick r:id="rId2"/>
+              </a:rPr>
+              <a:t>/</a:t>
+            </a:r>
+            <a:endParaRPr lang="en-US" dirty="0" smtClean="0"/>
+          </a:p>
+          <a:p>
+            <a:pPr lvl="1"/>
+            <a:r>
+              <a:rPr lang="en-US" dirty="0">
+                <a:hlinkClick r:id="rId3"/>
+              </a:rPr>
+              <a:t>https://aws.amazon.com/websites</a:t>
+            </a:r>
+            <a:r>
+              <a:rPr lang="en-US" dirty="0" smtClean="0">
+                <a:hlinkClick r:id="rId3"/>
+              </a:rPr>
+              <a:t>/</a:t>
+            </a:r>
+            <a:endParaRPr lang="en-US" dirty="0" smtClean="0"/>
+          </a:p>
+          <a:p>
+            <a:pPr lvl="1"/>
+            <a:r>
+              <a:rPr lang="en-US" dirty="0">
+                <a:hlinkClick r:id="rId4"/>
+              </a:rPr>
+              <a:t>https://www.siteground.com/student-hosting.htm</a:t>
             </a:r>
             <a:endParaRPr lang="en-US" dirty="0" smtClean="0"/>
           </a:p>
@@ -5024,7 +5046,7 @@
             <a:pPr marL="0" indent="0">
               <a:buNone/>
             </a:pPr>
-            <a:endParaRPr lang="en-US"/>
+            <a:endParaRPr lang="en-US" dirty="0"/>
           </a:p>
         </p:txBody>
       </p:sp>
